--- a/slides/instruction/introduction.pptx
+++ b/slides/instruction/introduction.pptx
@@ -3279,11 +3279,11 @@
           </a:r>
           <a:r>
             <a:rPr lang="en-US" altLang="zh-CN" sz="1800" dirty="0" err="1"/>
-            <a:t>jicheng</a:t>
+            <a:t>jichengwhu</a:t>
           </a:r>
           <a:r>
             <a:rPr lang="en-US" altLang="zh-CN" sz="1800" dirty="0"/>
-            <a:t>         yahoo . com</a:t>
+            <a:t>          163 . com</a:t>
           </a:r>
           <a:endParaRPr lang="en-US" sz="1800" dirty="0"/>
         </a:p>
@@ -5012,11 +5012,11 @@
           </a:r>
           <a:r>
             <a:rPr lang="en-US" altLang="zh-CN" sz="1800" kern="1200" dirty="0" err="1"/>
-            <a:t>jicheng</a:t>
+            <a:t>jichengwhu</a:t>
           </a:r>
           <a:r>
             <a:rPr lang="en-US" altLang="zh-CN" sz="1800" kern="1200" dirty="0"/>
-            <a:t>         yahoo . com</a:t>
+            <a:t>          163 . com</a:t>
           </a:r>
           <a:endParaRPr lang="en-US" sz="1800" kern="1200" dirty="0"/>
         </a:p>
@@ -10712,7 +10712,7 @@
           <a:p>
             <a:fld id="{E574AC39-44E6-425E-AF49-CF7D189F346F}" type="datetimeFigureOut">
               <a:rPr lang="en-US" smtClean="0"/>
-              <a:t>9/7/2021</a:t>
+              <a:t>11/16/2021</a:t>
             </a:fld>
             <a:endParaRPr lang="en-US"/>
           </a:p>
@@ -10877,7 +10877,7 @@
           <a:p>
             <a:fld id="{DF2775BC-6312-42C7-B7C5-EA6783C2D9CA}" type="datetimeFigureOut">
               <a:rPr lang="en-US" smtClean="0"/>
-              <a:t>9/7/2021</a:t>
+              <a:t>11/16/2021</a:t>
             </a:fld>
             <a:endParaRPr lang="en-US"/>
           </a:p>
@@ -11777,7 +11777,7 @@
           <a:p>
             <a:fld id="{40FF0622-75E4-48B8-A617-5428CA5926CE}" type="datetimeFigureOut">
               <a:rPr lang="en-US" smtClean="0"/>
-              <a:t>9/7/2021</a:t>
+              <a:t>11/16/2021</a:t>
             </a:fld>
             <a:endParaRPr lang="en-US"/>
           </a:p>
@@ -12050,7 +12050,7 @@
           <a:p>
             <a:fld id="{40FF0622-75E4-48B8-A617-5428CA5926CE}" type="datetimeFigureOut">
               <a:rPr lang="en-US" smtClean="0"/>
-              <a:t>9/7/2021</a:t>
+              <a:t>11/16/2021</a:t>
             </a:fld>
             <a:endParaRPr lang="en-US"/>
           </a:p>
@@ -12176,7 +12176,7 @@
           <a:p>
             <a:fld id="{40FF0622-75E4-48B8-A617-5428CA5926CE}" type="datetimeFigureOut">
               <a:rPr lang="en-US" smtClean="0"/>
-              <a:t>9/7/2021</a:t>
+              <a:t>11/16/2021</a:t>
             </a:fld>
             <a:endParaRPr lang="en-US"/>
           </a:p>
@@ -12370,7 +12370,7 @@
           <a:p>
             <a:fld id="{40FF0622-75E4-48B8-A617-5428CA5926CE}" type="datetimeFigureOut">
               <a:rPr lang="en-US" smtClean="0"/>
-              <a:t>9/7/2021</a:t>
+              <a:t>11/16/2021</a:t>
             </a:fld>
             <a:endParaRPr lang="en-US"/>
           </a:p>
@@ -12843,7 +12843,7 @@
           <a:p>
             <a:fld id="{40FF0622-75E4-48B8-A617-5428CA5926CE}" type="datetimeFigureOut">
               <a:rPr lang="en-US" smtClean="0"/>
-              <a:t>9/7/2021</a:t>
+              <a:t>11/16/2021</a:t>
             </a:fld>
             <a:endParaRPr lang="en-US"/>
           </a:p>
@@ -12969,7 +12969,7 @@
           <a:p>
             <a:fld id="{40FF0622-75E4-48B8-A617-5428CA5926CE}" type="datetimeFigureOut">
               <a:rPr lang="en-US" smtClean="0"/>
-              <a:t>9/7/2021</a:t>
+              <a:t>11/16/2021</a:t>
             </a:fld>
             <a:endParaRPr lang="en-US"/>
           </a:p>
@@ -13257,7 +13257,7 @@
           <a:p>
             <a:fld id="{40FF0622-75E4-48B8-A617-5428CA5926CE}" type="datetimeFigureOut">
               <a:rPr lang="en-US" smtClean="0"/>
-              <a:t>9/7/2021</a:t>
+              <a:t>11/16/2021</a:t>
             </a:fld>
             <a:endParaRPr lang="en-US"/>
           </a:p>
@@ -14008,7 +14008,7 @@
           <a:p>
             <a:fld id="{40FF0622-75E4-48B8-A617-5428CA5926CE}" type="datetimeFigureOut">
               <a:rPr lang="en-US" smtClean="0"/>
-              <a:t>9/7/2021</a:t>
+              <a:t>11/16/2021</a:t>
             </a:fld>
             <a:endParaRPr lang="en-US"/>
           </a:p>
@@ -14852,7 +14852,7 @@
           <a:p>
             <a:fld id="{40FF0622-75E4-48B8-A617-5428CA5926CE}" type="datetimeFigureOut">
               <a:rPr lang="en-US" smtClean="0"/>
-              <a:t>9/7/2021</a:t>
+              <a:t>11/16/2021</a:t>
             </a:fld>
             <a:endParaRPr lang="en-US"/>
           </a:p>
@@ -15020,7 +15020,7 @@
           <a:p>
             <a:fld id="{40FF0622-75E4-48B8-A617-5428CA5926CE}" type="datetimeFigureOut">
               <a:rPr lang="en-US" smtClean="0"/>
-              <a:t>9/7/2021</a:t>
+              <a:t>11/16/2021</a:t>
             </a:fld>
             <a:endParaRPr lang="en-US"/>
           </a:p>
@@ -15198,7 +15198,7 @@
           <a:p>
             <a:fld id="{40FF0622-75E4-48B8-A617-5428CA5926CE}" type="datetimeFigureOut">
               <a:rPr lang="en-US" smtClean="0"/>
-              <a:t>9/7/2021</a:t>
+              <a:t>11/16/2021</a:t>
             </a:fld>
             <a:endParaRPr lang="en-US"/>
           </a:p>
@@ -15367,7 +15367,7 @@
           <a:p>
             <a:fld id="{40FF0622-75E4-48B8-A617-5428CA5926CE}" type="datetimeFigureOut">
               <a:rPr lang="en-US" smtClean="0"/>
-              <a:t>9/7/2021</a:t>
+              <a:t>11/16/2021</a:t>
             </a:fld>
             <a:endParaRPr lang="en-US"/>
           </a:p>
@@ -15611,7 +15611,7 @@
           <a:p>
             <a:fld id="{40FF0622-75E4-48B8-A617-5428CA5926CE}" type="datetimeFigureOut">
               <a:rPr lang="en-US" smtClean="0"/>
-              <a:t>9/7/2021</a:t>
+              <a:t>11/16/2021</a:t>
             </a:fld>
             <a:endParaRPr lang="en-US"/>
           </a:p>
@@ -15900,7 +15900,7 @@
           <a:p>
             <a:fld id="{40FF0622-75E4-48B8-A617-5428CA5926CE}" type="datetimeFigureOut">
               <a:rPr lang="en-US" smtClean="0"/>
-              <a:t>9/7/2021</a:t>
+              <a:t>11/16/2021</a:t>
             </a:fld>
             <a:endParaRPr lang="en-US"/>
           </a:p>
@@ -16335,7 +16335,7 @@
           <a:p>
             <a:fld id="{40FF0622-75E4-48B8-A617-5428CA5926CE}" type="datetimeFigureOut">
               <a:rPr lang="en-US" smtClean="0"/>
-              <a:t>9/7/2021</a:t>
+              <a:t>11/16/2021</a:t>
             </a:fld>
             <a:endParaRPr lang="en-US"/>
           </a:p>
@@ -16452,7 +16452,7 @@
           <a:p>
             <a:fld id="{40FF0622-75E4-48B8-A617-5428CA5926CE}" type="datetimeFigureOut">
               <a:rPr lang="en-US" smtClean="0"/>
-              <a:t>9/7/2021</a:t>
+              <a:t>11/16/2021</a:t>
             </a:fld>
             <a:endParaRPr lang="en-US"/>
           </a:p>
@@ -16547,7 +16547,7 @@
           <a:p>
             <a:fld id="{40FF0622-75E4-48B8-A617-5428CA5926CE}" type="datetimeFigureOut">
               <a:rPr lang="en-US" smtClean="0"/>
-              <a:t>9/7/2021</a:t>
+              <a:t>11/16/2021</a:t>
             </a:fld>
             <a:endParaRPr lang="en-US"/>
           </a:p>
@@ -16825,7 +16825,7 @@
           <a:p>
             <a:fld id="{40FF0622-75E4-48B8-A617-5428CA5926CE}" type="datetimeFigureOut">
               <a:rPr lang="en-US" smtClean="0"/>
-              <a:t>9/7/2021</a:t>
+              <a:t>11/16/2021</a:t>
             </a:fld>
             <a:endParaRPr lang="en-US"/>
           </a:p>
@@ -17099,7 +17099,7 @@
           <a:p>
             <a:fld id="{40FF0622-75E4-48B8-A617-5428CA5926CE}" type="datetimeFigureOut">
               <a:rPr lang="en-US" smtClean="0"/>
-              <a:t>9/7/2021</a:t>
+              <a:t>11/16/2021</a:t>
             </a:fld>
             <a:endParaRPr lang="en-US"/>
           </a:p>
@@ -17733,7 +17733,7 @@
           <a:p>
             <a:fld id="{40FF0622-75E4-48B8-A617-5428CA5926CE}" type="datetimeFigureOut">
               <a:rPr lang="en-US" smtClean="0"/>
-              <a:t>9/7/2021</a:t>
+              <a:t>11/16/2021</a:t>
             </a:fld>
             <a:endParaRPr lang="en-US"/>
           </a:p>
@@ -21288,7 +21288,7 @@
           <a:graphicData uri="http://schemas.openxmlformats.org/presentationml/2006/ole">
             <mc:AlternateContent xmlns:mc="http://schemas.openxmlformats.org/markup-compatibility/2006">
               <mc:Choice xmlns:v="urn:schemas-microsoft-com:vml" Requires="v">
-                <p:oleObj spid="_x0000_s1112" r:id="rId3" imgW="3790950" imgH="2914650" progId="">
+                <p:oleObj spid="_x0000_s1113" r:id="rId3" imgW="3790950" imgH="2914650" progId="">
                   <p:embed/>
                 </p:oleObj>
               </mc:Choice>
@@ -21385,7 +21385,7 @@
             <p:ph idx="1"/>
             <p:extLst>
               <p:ext uri="{D42A27DB-BD31-4B8C-83A1-F6EECF244321}">
-                <p14:modId xmlns:p14="http://schemas.microsoft.com/office/powerpoint/2010/main" val="667622000"/>
+                <p14:modId xmlns:p14="http://schemas.microsoft.com/office/powerpoint/2010/main" val="2321326858"/>
               </p:ext>
             </p:extLst>
           </p:nvPr>
@@ -21438,7 +21438,7 @@
         </p:blipFill>
         <p:spPr>
           <a:xfrm>
-            <a:off x="3192105" y="1807804"/>
+            <a:off x="3590523" y="1807804"/>
             <a:ext cx="408657" cy="390949"/>
           </a:xfrm>
           <a:prstGeom prst="rect">
@@ -24852,6 +24852,21 @@
 </file>
 
 <file path=customXml/item1.xml><?xml version="1.0" encoding="utf-8"?>
+<p:properties xmlns:p="http://schemas.microsoft.com/office/2006/metadata/properties" xmlns:xsi="http://www.w3.org/2001/XMLSchema-instance" xmlns:pc="http://schemas.microsoft.com/office/infopath/2007/PartnerControls">
+  <documentManagement/>
+</p:properties>
+</file>
+
+<file path=customXml/item2.xml><?xml version="1.0" encoding="utf-8"?>
+<?mso-contentType ?>
+<FormTemplates xmlns="http://schemas.microsoft.com/sharepoint/v3/contenttype/forms">
+  <Display>DocumentLibraryForm</Display>
+  <Edit>DocumentLibraryForm</Edit>
+  <New>DocumentLibraryForm</New>
+</FormTemplates>
+</file>
+
+<file path=customXml/item3.xml><?xml version="1.0" encoding="utf-8"?>
 <ct:contentTypeSchema xmlns:ct="http://schemas.microsoft.com/office/2006/metadata/contentType" xmlns:ma="http://schemas.microsoft.com/office/2006/metadata/properties/metaAttributes" ct:_="" ma:_="" ma:contentTypeName="Document" ma:contentTypeID="0x0101007C1D5F340F01F94FA2FD29A5E6DC872E" ma:contentTypeVersion="0" ma:contentTypeDescription="Create a new document." ma:contentTypeScope="" ma:versionID="f583bd66513a361a730282b6a794e352">
   <xsd:schema xmlns:xsd="http://www.w3.org/2001/XMLSchema" xmlns:xs="http://www.w3.org/2001/XMLSchema" xmlns:p="http://schemas.microsoft.com/office/2006/metadata/properties" targetNamespace="http://schemas.microsoft.com/office/2006/metadata/properties" ma:root="true" ma:fieldsID="6841151cf538834e171094e4faaf2d73">
     <xsd:element name="properties">
@@ -24965,32 +24980,10 @@
 </ct:contentTypeSchema>
 </file>
 
-<file path=customXml/item2.xml><?xml version="1.0" encoding="utf-8"?>
-<?mso-contentType ?>
-<FormTemplates xmlns="http://schemas.microsoft.com/sharepoint/v3/contenttype/forms">
-  <Display>DocumentLibraryForm</Display>
-  <Edit>DocumentLibraryForm</Edit>
-  <New>DocumentLibraryForm</New>
-</FormTemplates>
-</file>
-
-<file path=customXml/item3.xml><?xml version="1.0" encoding="utf-8"?>
-<p:properties xmlns:p="http://schemas.microsoft.com/office/2006/metadata/properties" xmlns:xsi="http://www.w3.org/2001/XMLSchema-instance" xmlns:pc="http://schemas.microsoft.com/office/infopath/2007/PartnerControls">
-  <documentManagement/>
-</p:properties>
-</file>
-
 <file path=customXml/itemProps1.xml><?xml version="1.0" encoding="utf-8"?>
-<ds:datastoreItem xmlns:ds="http://schemas.openxmlformats.org/officeDocument/2006/customXml" ds:itemID="{D1FC5151-73AF-4992-B300-816A43C7C293}">
+<ds:datastoreItem xmlns:ds="http://schemas.openxmlformats.org/officeDocument/2006/customXml" ds:itemID="{CA7F0F3B-1D69-4071-934C-7373F1C638FD}">
   <ds:schemaRefs>
-    <ds:schemaRef ds:uri="http://schemas.microsoft.com/office/2006/metadata/contentType"/>
-    <ds:schemaRef ds:uri="http://schemas.microsoft.com/office/2006/metadata/properties/metaAttributes"/>
-    <ds:schemaRef ds:uri="http://www.w3.org/2001/XMLSchema"/>
     <ds:schemaRef ds:uri="http://schemas.microsoft.com/office/2006/metadata/properties"/>
-    <ds:schemaRef ds:uri="http://schemas.openxmlformats.org/package/2006/metadata/core-properties"/>
-    <ds:schemaRef ds:uri="http://purl.org/dc/elements/1.1/"/>
-    <ds:schemaRef ds:uri="http://purl.org/dc/terms/"/>
-    <ds:schemaRef ds:uri="http://schemas.microsoft.com/internal/obd"/>
     <ds:schemaRef ds:uri="http://schemas.microsoft.com/office/infopath/2007/PartnerControls"/>
   </ds:schemaRefs>
 </ds:datastoreItem>
@@ -25005,9 +24998,16 @@
 </file>
 
 <file path=customXml/itemProps3.xml><?xml version="1.0" encoding="utf-8"?>
-<ds:datastoreItem xmlns:ds="http://schemas.openxmlformats.org/officeDocument/2006/customXml" ds:itemID="{CA7F0F3B-1D69-4071-934C-7373F1C638FD}">
+<ds:datastoreItem xmlns:ds="http://schemas.openxmlformats.org/officeDocument/2006/customXml" ds:itemID="{D1FC5151-73AF-4992-B300-816A43C7C293}">
   <ds:schemaRefs>
+    <ds:schemaRef ds:uri="http://schemas.microsoft.com/office/2006/metadata/contentType"/>
+    <ds:schemaRef ds:uri="http://schemas.microsoft.com/office/2006/metadata/properties/metaAttributes"/>
+    <ds:schemaRef ds:uri="http://www.w3.org/2001/XMLSchema"/>
     <ds:schemaRef ds:uri="http://schemas.microsoft.com/office/2006/metadata/properties"/>
+    <ds:schemaRef ds:uri="http://schemas.openxmlformats.org/package/2006/metadata/core-properties"/>
+    <ds:schemaRef ds:uri="http://purl.org/dc/elements/1.1/"/>
+    <ds:schemaRef ds:uri="http://purl.org/dc/terms/"/>
+    <ds:schemaRef ds:uri="http://schemas.microsoft.com/internal/obd"/>
     <ds:schemaRef ds:uri="http://schemas.microsoft.com/office/infopath/2007/PartnerControls"/>
   </ds:schemaRefs>
 </ds:datastoreItem>
